--- a/Longitudinal data analysis presentation_Assignment3.pptx
+++ b/Longitudinal data analysis presentation_Assignment3.pptx
@@ -5057,7 +5057,7 @@
           <a:p>
             <a:r>
               <a:rPr lang="en-GB" dirty="0"/>
-              <a:t>Kendall Brown r0773111</a:t>
+              <a:t>Kendall Brown - r0773111</a:t>
             </a:r>
           </a:p>
           <a:p>
@@ -5067,7 +5067,11 @@
             </a:r>
             <a:r>
               <a:rPr lang="en-GB" dirty="0"/>
-              <a:t> Carmen s0204278</a:t>
+              <a:t> </a:t>
+            </a:r>
+            <a:r>
+              <a:rPr lang="en-GB"/>
+              <a:t>Carmen - s0204278</a:t>
             </a:r>
             <a:endParaRPr lang="nl-NL" dirty="0"/>
           </a:p>
